--- a/docs/diagrams/AddSortSequenceDiagram.pptx
+++ b/docs/diagrams/AddSortSequenceDiagram.pptx
@@ -3534,7 +3534,7 @@
         </p:nvSpPr>
         <p:spPr>
           <a:xfrm>
-            <a:off x="228600" y="306114"/>
+            <a:off x="163469" y="253144"/>
             <a:ext cx="9245293" cy="5637852"/>
           </a:xfrm>
           <a:prstGeom prst="roundRect">
@@ -3628,15 +3628,7 @@
                   <a:schemeClr val="bg1"/>
                 </a:solidFill>
               </a:rPr>
-              <a:t>:</a:t>
-            </a:r>
-            <a:r>
-              <a:rPr lang="en-US" sz="1600" dirty="0" err="1">
-                <a:solidFill>
-                  <a:schemeClr val="bg1"/>
-                </a:solidFill>
-              </a:rPr>
-              <a:t>LogicManager</a:t>
+              <a:t>:LogicManager</a:t>
             </a:r>
             <a:endParaRPr lang="en-SG" sz="1600" dirty="0">
               <a:solidFill>
@@ -3787,7 +3779,7 @@
           <a:p>
             <a:pPr algn="ctr"/>
             <a:r>
-              <a:rPr lang="en-US" sz="1600" dirty="0" err="1">
+              <a:rPr lang="en-US" sz="1600" dirty="0">
                 <a:solidFill>
                   <a:schemeClr val="bg1"/>
                 </a:solidFill>
@@ -4342,7 +4334,7 @@
           <a:p>
             <a:pPr algn="ctr"/>
             <a:r>
-              <a:rPr lang="en-US" sz="1600" dirty="0" err="1" smtClean="0">
+              <a:rPr lang="en-US" sz="1600" dirty="0" smtClean="0">
                 <a:solidFill>
                   <a:schemeClr val="bg1"/>
                 </a:solidFill>
@@ -4369,7 +4361,7 @@
         <p:spPr>
           <a:xfrm>
             <a:off x="7186441" y="2424586"/>
-            <a:ext cx="24246" cy="2909414"/>
+            <a:ext cx="28747" cy="3118964"/>
           </a:xfrm>
           <a:prstGeom prst="line">
             <a:avLst/>
@@ -4493,31 +4485,7 @@
                   <a:schemeClr val="bg1"/>
                 </a:solidFill>
               </a:rPr>
-              <a:t>:</a:t>
-            </a:r>
-            <a:r>
-              <a:rPr lang="en-US" sz="1600" dirty="0" err="1" smtClean="0">
-                <a:solidFill>
-                  <a:schemeClr val="bg1"/>
-                </a:solidFill>
-              </a:rPr>
-              <a:t>AddQuick</a:t>
-            </a:r>
-            <a:r>
-              <a:rPr lang="en-US" sz="1600" dirty="0" smtClean="0">
-                <a:solidFill>
-                  <a:schemeClr val="bg1"/>
-                </a:solidFill>
-              </a:rPr>
-              <a:t> </a:t>
-            </a:r>
-            <a:r>
-              <a:rPr lang="en-US" sz="1600" dirty="0" err="1" smtClean="0">
-                <a:solidFill>
-                  <a:schemeClr val="bg1"/>
-                </a:solidFill>
-              </a:rPr>
-              <a:t>CommandParser</a:t>
+              <a:t>:AddQuick CommandParser</a:t>
             </a:r>
             <a:endParaRPr lang="en-SG" sz="1600" dirty="0">
               <a:solidFill>
@@ -4841,7 +4809,7 @@
         </p:nvCxnSpPr>
         <p:spPr>
           <a:xfrm>
-            <a:off x="5988628" y="1844052"/>
+            <a:off x="6012376" y="1978382"/>
             <a:ext cx="686992" cy="0"/>
           </a:xfrm>
           <a:prstGeom prst="straightConnector1">
@@ -4915,7 +4883,7 @@
         </p:nvSpPr>
         <p:spPr>
           <a:xfrm flipH="1">
-            <a:off x="6119669" y="1624286"/>
+            <a:off x="6097836" y="1741033"/>
             <a:ext cx="680156" cy="261610"/>
           </a:xfrm>
           <a:prstGeom prst="rect">
@@ -5059,8 +5027,8 @@
         </p:nvSpPr>
         <p:spPr>
           <a:xfrm>
-            <a:off x="8408618" y="3253063"/>
-            <a:ext cx="234112" cy="547122"/>
+            <a:off x="8408618" y="3510193"/>
+            <a:ext cx="207436" cy="289991"/>
           </a:xfrm>
           <a:prstGeom prst="rect">
             <a:avLst/>
@@ -5107,9 +5075,9 @@
           <p:nvPr/>
         </p:nvCxnSpPr>
         <p:spPr>
-          <a:xfrm flipH="1">
-            <a:off x="8496149" y="3567065"/>
-            <a:ext cx="5314" cy="1665172"/>
+          <a:xfrm>
+            <a:off x="8512336" y="3267837"/>
+            <a:ext cx="18206" cy="2299586"/>
           </a:xfrm>
           <a:prstGeom prst="line">
             <a:avLst/>
@@ -5215,12 +5183,8 @@
           </a:lstStyle>
           <a:p>
             <a:r>
-              <a:rPr lang="en-US" sz="1100" dirty="0" err="1" smtClean="0"/>
-              <a:t>sortAllPersons</a:t>
-            </a:r>
-            <a:r>
               <a:rPr lang="en-US" sz="1100" dirty="0" smtClean="0"/>
-              <a:t>()</a:t>
+              <a:t>sortAllPersons()</a:t>
             </a:r>
             <a:endParaRPr lang="en-US" sz="1100" dirty="0"/>
           </a:p>
@@ -5234,7 +5198,7 @@
         </p:nvCxnSpPr>
         <p:spPr>
           <a:xfrm>
-            <a:off x="7261673" y="3727416"/>
+            <a:off x="7306940" y="3736472"/>
             <a:ext cx="1058462" cy="2612"/>
           </a:xfrm>
           <a:prstGeom prst="straightConnector1">
@@ -5427,12 +5391,8 @@
           </a:lstStyle>
           <a:p>
             <a:r>
-              <a:rPr lang="en-US" sz="1000" dirty="0" err="1" smtClean="0"/>
-              <a:t>filterImportantTag</a:t>
-            </a:r>
-            <a:r>
               <a:rPr lang="en-US" sz="1000" dirty="0" smtClean="0"/>
-              <a:t>()</a:t>
+              <a:t>filterImportantTag()</a:t>
             </a:r>
             <a:endParaRPr lang="en-US" sz="1000" dirty="0"/>
           </a:p>
@@ -5446,7 +5406,7 @@
         </p:nvSpPr>
         <p:spPr>
           <a:xfrm>
-            <a:off x="7016393" y="3358815"/>
+            <a:off x="7039093" y="3382528"/>
             <a:ext cx="1353343" cy="169277"/>
           </a:xfrm>
           <a:prstGeom prst="rect">
@@ -5472,12 +5432,8 @@
           </a:lstStyle>
           <a:p>
             <a:r>
-              <a:rPr lang="en-US" sz="1100" dirty="0" err="1" smtClean="0"/>
-              <a:t>addPerson</a:t>
-            </a:r>
-            <a:r>
               <a:rPr lang="en-US" sz="1100" dirty="0" smtClean="0"/>
-              <a:t>(</a:t>
+              <a:t>addPerson(</a:t>
             </a:r>
             <a:r>
               <a:rPr lang="en-US" sz="1100" dirty="0" err="1" smtClean="0"/>
@@ -5543,8 +5499,8 @@
         </p:nvCxnSpPr>
         <p:spPr>
           <a:xfrm>
-            <a:off x="7333974" y="4889956"/>
-            <a:ext cx="1058462" cy="2612"/>
+            <a:off x="7337262" y="4901823"/>
+            <a:ext cx="1065661" cy="3859"/>
           </a:xfrm>
           <a:prstGeom prst="straightConnector1">
             <a:avLst/>
@@ -5581,8 +5537,8 @@
         </p:nvSpPr>
         <p:spPr>
           <a:xfrm>
-            <a:off x="8425133" y="4702104"/>
-            <a:ext cx="200913" cy="312561"/>
+            <a:off x="8425133" y="4702105"/>
+            <a:ext cx="200913" cy="262660"/>
           </a:xfrm>
           <a:prstGeom prst="rect">
             <a:avLst/>

--- a/docs/diagrams/AddSortSequenceDiagram.pptx
+++ b/docs/diagrams/AddSortSequenceDiagram.pptx
@@ -3535,7 +3535,7 @@
         <p:spPr>
           <a:xfrm>
             <a:off x="163469" y="253144"/>
-            <a:ext cx="9245293" cy="5637852"/>
+            <a:ext cx="10047331" cy="5637852"/>
           </a:xfrm>
           <a:prstGeom prst="roundRect">
             <a:avLst>
@@ -4298,8 +4298,8 @@
         </p:nvSpPr>
         <p:spPr>
           <a:xfrm>
-            <a:off x="6683833" y="1675224"/>
-            <a:ext cx="1228602" cy="552662"/>
+            <a:off x="6824737" y="1675224"/>
+            <a:ext cx="1228338" cy="552662"/>
           </a:xfrm>
           <a:prstGeom prst="rect">
             <a:avLst/>
@@ -4500,7 +4500,7 @@
           <p:cNvPr id="66" name="Straight Arrow Connector 65">
             <a:extLst>
               <a:ext uri="{FF2B5EF4-FFF2-40B4-BE49-F238E27FC236}">
-                <a16:creationId xmlns:a16="http://schemas.microsoft.com/office/drawing/2014/main" xmlns="" id="{39916E2E-195A-4DC8-B025-B05FA87E6796}"/>
+                <a16:creationId xmlns="" xmlns:a16="http://schemas.microsoft.com/office/drawing/2014/main" id="{39916E2E-195A-4DC8-B025-B05FA87E6796}"/>
               </a:ext>
             </a:extLst>
           </p:cNvPr>
@@ -4544,7 +4544,7 @@
           <p:cNvPr id="67" name="Straight Arrow Connector 66">
             <a:extLst>
               <a:ext uri="{FF2B5EF4-FFF2-40B4-BE49-F238E27FC236}">
-                <a16:creationId xmlns:a16="http://schemas.microsoft.com/office/drawing/2014/main" xmlns="" id="{D881596E-177C-4FDC-8E60-CAB90B3D5FAB}"/>
+                <a16:creationId xmlns="" xmlns:a16="http://schemas.microsoft.com/office/drawing/2014/main" id="{D881596E-177C-4FDC-8E60-CAB90B3D5FAB}"/>
               </a:ext>
             </a:extLst>
           </p:cNvPr>
@@ -4588,7 +4588,7 @@
           <p:cNvPr id="69" name="Straight Arrow Connector 68">
             <a:extLst>
               <a:ext uri="{FF2B5EF4-FFF2-40B4-BE49-F238E27FC236}">
-                <a16:creationId xmlns:a16="http://schemas.microsoft.com/office/drawing/2014/main" xmlns="" id="{7C9F21BC-13A9-471F-825A-2621FD36355F}"/>
+                <a16:creationId xmlns="" xmlns:a16="http://schemas.microsoft.com/office/drawing/2014/main" id="{7C9F21BC-13A9-471F-825A-2621FD36355F}"/>
               </a:ext>
             </a:extLst>
           </p:cNvPr>
@@ -4664,7 +4664,11 @@
           <a:p>
             <a:r>
               <a:rPr lang="en-US" sz="1100" dirty="0" smtClean="0"/>
-              <a:t>parse (“argument”)</a:t>
+              <a:t>parse </a:t>
+            </a:r>
+            <a:r>
+              <a:rPr lang="en-US" sz="1100" dirty="0" smtClean="0"/>
+              <a:t>(argument)</a:t>
             </a:r>
             <a:endParaRPr lang="en-US" sz="1100" dirty="0"/>
           </a:p>
@@ -4798,7 +4802,7 @@
           <p:cNvPr id="71" name="Straight Arrow Connector 70">
             <a:extLst>
               <a:ext uri="{FF2B5EF4-FFF2-40B4-BE49-F238E27FC236}">
-                <a16:creationId xmlns:a16="http://schemas.microsoft.com/office/drawing/2014/main" xmlns="" id="{39916E2E-195A-4DC8-B025-B05FA87E6796}"/>
+                <a16:creationId xmlns="" xmlns:a16="http://schemas.microsoft.com/office/drawing/2014/main" id="{39916E2E-195A-4DC8-B025-B05FA87E6796}"/>
               </a:ext>
             </a:extLst>
           </p:cNvPr>
@@ -4810,7 +4814,7 @@
         <p:spPr>
           <a:xfrm>
             <a:off x="6012376" y="1978382"/>
-            <a:ext cx="686992" cy="0"/>
+            <a:ext cx="793538" cy="889"/>
           </a:xfrm>
           <a:prstGeom prst="straightConnector1">
             <a:avLst/>
@@ -4883,8 +4887,8 @@
         </p:nvSpPr>
         <p:spPr>
           <a:xfrm flipH="1">
-            <a:off x="6097836" y="1741033"/>
-            <a:ext cx="680156" cy="261610"/>
+            <a:off x="5936386" y="1728903"/>
+            <a:ext cx="1009133" cy="261610"/>
           </a:xfrm>
           <a:prstGeom prst="rect">
             <a:avLst/>
@@ -4898,12 +4902,20 @@
           <a:lstStyle/>
           <a:p>
             <a:r>
-              <a:rPr lang="en-SG" sz="1100" i="1" dirty="0" smtClean="0">
+              <a:rPr lang="en-SG" sz="1100" i="1">
                 <a:solidFill>
                   <a:schemeClr val="accent1"/>
                 </a:solidFill>
               </a:rPr>
-              <a:t>new</a:t>
+              <a:t>n</a:t>
+            </a:r>
+            <a:r>
+              <a:rPr lang="en-SG" sz="1100" i="1" smtClean="0">
+                <a:solidFill>
+                  <a:schemeClr val="accent1"/>
+                </a:solidFill>
+              </a:rPr>
+              <a:t>ew Person()</a:t>
             </a:r>
             <a:endParaRPr lang="en-SG" sz="1100" i="1" dirty="0">
               <a:solidFill>
@@ -5110,7 +5122,7 @@
           <p:cNvPr id="95" name="Straight Arrow Connector 94">
             <a:extLst>
               <a:ext uri="{FF2B5EF4-FFF2-40B4-BE49-F238E27FC236}">
-                <a16:creationId xmlns:a16="http://schemas.microsoft.com/office/drawing/2014/main" xmlns="" id="{39916E2E-195A-4DC8-B025-B05FA87E6796}"/>
+                <a16:creationId xmlns="" xmlns:a16="http://schemas.microsoft.com/office/drawing/2014/main" id="{39916E2E-195A-4DC8-B025-B05FA87E6796}"/>
               </a:ext>
             </a:extLst>
           </p:cNvPr>
@@ -5233,7 +5245,7 @@
           <p:cNvPr id="106" name="Straight Arrow Connector 105">
             <a:extLst>
               <a:ext uri="{FF2B5EF4-FFF2-40B4-BE49-F238E27FC236}">
-                <a16:creationId xmlns:a16="http://schemas.microsoft.com/office/drawing/2014/main" xmlns="" id="{39916E2E-195A-4DC8-B025-B05FA87E6796}"/>
+                <a16:creationId xmlns="" xmlns:a16="http://schemas.microsoft.com/office/drawing/2014/main" id="{39916E2E-195A-4DC8-B025-B05FA87E6796}"/>
               </a:ext>
             </a:extLst>
           </p:cNvPr>
@@ -5452,7 +5464,7 @@
           <p:cNvPr id="114" name="Straight Arrow Connector 113">
             <a:extLst>
               <a:ext uri="{FF2B5EF4-FFF2-40B4-BE49-F238E27FC236}">
-                <a16:creationId xmlns:a16="http://schemas.microsoft.com/office/drawing/2014/main" xmlns="" id="{39916E2E-195A-4DC8-B025-B05FA87E6796}"/>
+                <a16:creationId xmlns="" xmlns:a16="http://schemas.microsoft.com/office/drawing/2014/main" id="{39916E2E-195A-4DC8-B025-B05FA87E6796}"/>
               </a:ext>
             </a:extLst>
           </p:cNvPr>
